--- a/Data science.pptx
+++ b/Data science.pptx
@@ -3166,6 +3166,13 @@
               <a:rPr lang="en-GB" dirty="0" err="1" smtClean="0"/>
               <a:t>Weblabs</a:t>
             </a:r>
+            <a:endParaRPr lang="en-GB" dirty="0" smtClean="0"/>
+          </a:p>
+          <a:p>
+            <a:r>
+              <a:rPr lang="en-GB" smtClean="0"/>
+              <a:t>25/2/2017</a:t>
+            </a:r>
             <a:endParaRPr lang="en-GB" dirty="0"/>
           </a:p>
         </p:txBody>
@@ -7683,11 +7690,7 @@
           <a:p>
             <a:r>
               <a:rPr lang="en-GB" dirty="0" smtClean="0"/>
-              <a:t>What are main uses </a:t>
-            </a:r>
-            <a:r>
-              <a:rPr lang="en-GB" dirty="0" smtClean="0"/>
-              <a:t>of Box Plots?</a:t>
+              <a:t>What are main uses of Box Plots?</a:t>
             </a:r>
             <a:endParaRPr lang="en-GB" dirty="0"/>
           </a:p>
@@ -7835,11 +7838,7 @@
           <a:p>
             <a:r>
               <a:rPr lang="en-GB" dirty="0" smtClean="0"/>
-              <a:t>What are main uses </a:t>
-            </a:r>
-            <a:r>
-              <a:rPr lang="en-GB" dirty="0" smtClean="0"/>
-              <a:t>of Histograms?</a:t>
+              <a:t>What are main uses of Histograms?</a:t>
             </a:r>
             <a:endParaRPr lang="en-GB" dirty="0"/>
           </a:p>
@@ -7924,11 +7923,7 @@
           <a:p>
             <a:r>
               <a:rPr lang="en-GB" dirty="0" smtClean="0"/>
-              <a:t>What are main uses </a:t>
-            </a:r>
-            <a:r>
-              <a:rPr lang="en-GB" dirty="0" smtClean="0"/>
-              <a:t>of Scatter plot Matrices?</a:t>
+              <a:t>What are main uses of Scatter plot Matrices?</a:t>
             </a:r>
             <a:endParaRPr lang="en-GB" dirty="0"/>
           </a:p>

--- a/Data science.pptx
+++ b/Data science.pptx
@@ -66,7 +66,24 @@
     <p:sldId id="315" r:id="rId60"/>
     <p:sldId id="316" r:id="rId61"/>
     <p:sldId id="317" r:id="rId62"/>
-    <p:sldId id="306" r:id="rId63"/>
+    <p:sldId id="318" r:id="rId63"/>
+    <p:sldId id="319" r:id="rId64"/>
+    <p:sldId id="320" r:id="rId65"/>
+    <p:sldId id="321" r:id="rId66"/>
+    <p:sldId id="322" r:id="rId67"/>
+    <p:sldId id="323" r:id="rId68"/>
+    <p:sldId id="324" r:id="rId69"/>
+    <p:sldId id="325" r:id="rId70"/>
+    <p:sldId id="326" r:id="rId71"/>
+    <p:sldId id="306" r:id="rId72"/>
+    <p:sldId id="327" r:id="rId73"/>
+    <p:sldId id="328" r:id="rId74"/>
+    <p:sldId id="330" r:id="rId75"/>
+    <p:sldId id="331" r:id="rId76"/>
+    <p:sldId id="333" r:id="rId77"/>
+    <p:sldId id="334" r:id="rId78"/>
+    <p:sldId id="332" r:id="rId79"/>
+    <p:sldId id="329" r:id="rId80"/>
   </p:sldIdLst>
   <p:sldSz cx="9144000" cy="6858000" type="screen4x3"/>
   <p:notesSz cx="6858000" cy="9144000"/>
@@ -3160,17 +3177,23 @@
           <a:p>
             <a:r>
               <a:rPr lang="en-GB" dirty="0" smtClean="0"/>
-              <a:t>By </a:t>
-            </a:r>
-            <a:r>
-              <a:rPr lang="en-GB" dirty="0" err="1" smtClean="0"/>
-              <a:t>Weblabs</a:t>
+              <a:t>Prepared from </a:t>
+            </a:r>
+            <a:r>
+              <a:rPr lang="en-GB" smtClean="0"/>
+              <a:t>online class by</a:t>
+            </a:r>
+          </a:p>
+          <a:p>
+            <a:r>
+              <a:rPr lang="en-GB" dirty="0" smtClean="0"/>
+              <a:t>Barton Paulson</a:t>
             </a:r>
             <a:endParaRPr lang="en-GB" dirty="0" smtClean="0"/>
           </a:p>
           <a:p>
             <a:r>
-              <a:rPr lang="en-GB" smtClean="0"/>
+              <a:rPr lang="en-GB" dirty="0" smtClean="0"/>
               <a:t>25/2/2017</a:t>
             </a:r>
             <a:endParaRPr lang="en-GB" dirty="0"/>
@@ -7995,10 +8018,16 @@
         </p:nvSpPr>
         <p:spPr/>
         <p:txBody>
-          <a:bodyPr/>
-          <a:lstStyle/>
-          <a:p>
-            <a:endParaRPr lang="en-GB"/>
+          <a:bodyPr>
+            <a:normAutofit fontScale="90000"/>
+          </a:bodyPr>
+          <a:lstStyle/>
+          <a:p>
+            <a:r>
+              <a:rPr lang="en-GB" dirty="0" smtClean="0"/>
+              <a:t>What are main concerns we should have in using exploratory graphs?</a:t>
+            </a:r>
+            <a:endParaRPr lang="en-GB" dirty="0"/>
           </a:p>
         </p:txBody>
       </p:sp>
@@ -8014,10 +8043,620 @@
         </p:nvSpPr>
         <p:spPr/>
         <p:txBody>
-          <a:bodyPr/>
-          <a:lstStyle/>
-          <a:p>
-            <a:endParaRPr lang="en-GB"/>
+          <a:bodyPr>
+            <a:normAutofit fontScale="85000" lnSpcReduction="20000"/>
+          </a:bodyPr>
+          <a:lstStyle/>
+          <a:p>
+            <a:r>
+              <a:rPr lang="en-GB" dirty="0" smtClean="0"/>
+              <a:t>Do you have what you need?</a:t>
+            </a:r>
+          </a:p>
+          <a:p>
+            <a:r>
+              <a:rPr lang="en-GB" dirty="0" smtClean="0"/>
+              <a:t>Are there clumps or gaps in the data?</a:t>
+            </a:r>
+          </a:p>
+          <a:p>
+            <a:r>
+              <a:rPr lang="en-GB" dirty="0" smtClean="0"/>
+              <a:t>Are there exceptional cases?</a:t>
+            </a:r>
+          </a:p>
+          <a:p>
+            <a:r>
+              <a:rPr lang="en-GB" dirty="0" smtClean="0"/>
+              <a:t>Are there errors in data?</a:t>
+            </a:r>
+            <a:endParaRPr lang="en-GB" dirty="0"/>
+          </a:p>
+        </p:txBody>
+      </p:sp>
+    </p:spTree>
+  </p:cSld>
+  <p:clrMapOvr>
+    <a:masterClrMapping/>
+  </p:clrMapOvr>
+</p:sld>
+</file>
+
+<file path=ppt/slides/slide63.xml><?xml version="1.0" encoding="utf-8"?>
+<p:sld xmlns:a="http://schemas.openxmlformats.org/drawingml/2006/main" xmlns:r="http://schemas.openxmlformats.org/officeDocument/2006/relationships" xmlns:p="http://schemas.openxmlformats.org/presentationml/2006/main">
+  <p:cSld>
+    <p:spTree>
+      <p:nvGrpSpPr>
+        <p:cNvPr id="1" name=""/>
+        <p:cNvGrpSpPr/>
+        <p:nvPr/>
+      </p:nvGrpSpPr>
+      <p:grpSpPr>
+        <a:xfrm>
+          <a:off x="0" y="0"/>
+          <a:ext cx="0" cy="0"/>
+          <a:chOff x="0" y="0"/>
+          <a:chExt cx="0" cy="0"/>
+        </a:xfrm>
+      </p:grpSpPr>
+      <p:sp>
+        <p:nvSpPr>
+          <p:cNvPr id="2" name="Title 1"/>
+          <p:cNvSpPr>
+            <a:spLocks noGrp="1"/>
+          </p:cNvSpPr>
+          <p:nvPr>
+            <p:ph type="ctrTitle"/>
+          </p:nvPr>
+        </p:nvSpPr>
+        <p:spPr/>
+        <p:txBody>
+          <a:bodyPr>
+            <a:normAutofit fontScale="90000"/>
+          </a:bodyPr>
+          <a:lstStyle/>
+          <a:p>
+            <a:r>
+              <a:rPr lang="en-GB" dirty="0" smtClean="0"/>
+              <a:t>What are the main points to remember in using exploratory graphs?</a:t>
+            </a:r>
+            <a:endParaRPr lang="en-GB" dirty="0"/>
+          </a:p>
+        </p:txBody>
+      </p:sp>
+      <p:sp>
+        <p:nvSpPr>
+          <p:cNvPr id="3" name="Subtitle 2"/>
+          <p:cNvSpPr>
+            <a:spLocks noGrp="1"/>
+          </p:cNvSpPr>
+          <p:nvPr>
+            <p:ph type="subTitle" idx="1"/>
+          </p:nvPr>
+        </p:nvSpPr>
+        <p:spPr/>
+        <p:txBody>
+          <a:bodyPr>
+            <a:normAutofit fontScale="92500" lnSpcReduction="20000"/>
+          </a:bodyPr>
+          <a:lstStyle/>
+          <a:p>
+            <a:r>
+              <a:rPr lang="en-GB" dirty="0" smtClean="0"/>
+              <a:t>Exploration is a critical first step</a:t>
+            </a:r>
+          </a:p>
+          <a:p>
+            <a:r>
+              <a:rPr lang="en-GB" dirty="0" smtClean="0"/>
+              <a:t>Use a method that is quick and easy</a:t>
+            </a:r>
+          </a:p>
+          <a:p>
+            <a:r>
+              <a:rPr lang="en-GB" dirty="0" smtClean="0"/>
+              <a:t>They are precursor to numerical exploration</a:t>
+            </a:r>
+            <a:endParaRPr lang="en-GB" dirty="0"/>
+          </a:p>
+        </p:txBody>
+      </p:sp>
+    </p:spTree>
+  </p:cSld>
+  <p:clrMapOvr>
+    <a:masterClrMapping/>
+  </p:clrMapOvr>
+</p:sld>
+</file>
+
+<file path=ppt/slides/slide64.xml><?xml version="1.0" encoding="utf-8"?>
+<p:sld xmlns:a="http://schemas.openxmlformats.org/drawingml/2006/main" xmlns:r="http://schemas.openxmlformats.org/officeDocument/2006/relationships" xmlns:p="http://schemas.openxmlformats.org/presentationml/2006/main">
+  <p:cSld>
+    <p:spTree>
+      <p:nvGrpSpPr>
+        <p:cNvPr id="1" name=""/>
+        <p:cNvGrpSpPr/>
+        <p:nvPr/>
+      </p:nvGrpSpPr>
+      <p:grpSpPr>
+        <a:xfrm>
+          <a:off x="0" y="0"/>
+          <a:ext cx="0" cy="0"/>
+          <a:chOff x="0" y="0"/>
+          <a:chExt cx="0" cy="0"/>
+        </a:xfrm>
+      </p:grpSpPr>
+      <p:sp>
+        <p:nvSpPr>
+          <p:cNvPr id="2" name="Title 1"/>
+          <p:cNvSpPr>
+            <a:spLocks noGrp="1"/>
+          </p:cNvSpPr>
+          <p:nvPr>
+            <p:ph type="ctrTitle"/>
+          </p:nvPr>
+        </p:nvSpPr>
+        <p:spPr/>
+        <p:txBody>
+          <a:bodyPr/>
+          <a:lstStyle/>
+          <a:p>
+            <a:r>
+              <a:rPr lang="en-GB" dirty="0" smtClean="0"/>
+              <a:t>First graphics then...?</a:t>
+            </a:r>
+            <a:endParaRPr lang="en-GB" dirty="0"/>
+          </a:p>
+        </p:txBody>
+      </p:sp>
+      <p:sp>
+        <p:nvSpPr>
+          <p:cNvPr id="3" name="Subtitle 2"/>
+          <p:cNvSpPr>
+            <a:spLocks noGrp="1"/>
+          </p:cNvSpPr>
+          <p:nvPr>
+            <p:ph type="subTitle" idx="1"/>
+          </p:nvPr>
+        </p:nvSpPr>
+        <p:spPr/>
+        <p:txBody>
+          <a:bodyPr/>
+          <a:lstStyle/>
+          <a:p>
+            <a:r>
+              <a:rPr lang="en-GB" dirty="0" smtClean="0"/>
+              <a:t>numbers</a:t>
+            </a:r>
+            <a:endParaRPr lang="en-GB" dirty="0"/>
+          </a:p>
+        </p:txBody>
+      </p:sp>
+    </p:spTree>
+  </p:cSld>
+  <p:clrMapOvr>
+    <a:masterClrMapping/>
+  </p:clrMapOvr>
+</p:sld>
+</file>
+
+<file path=ppt/slides/slide65.xml><?xml version="1.0" encoding="utf-8"?>
+<p:sld xmlns:a="http://schemas.openxmlformats.org/drawingml/2006/main" xmlns:r="http://schemas.openxmlformats.org/officeDocument/2006/relationships" xmlns:p="http://schemas.openxmlformats.org/presentationml/2006/main">
+  <p:cSld>
+    <p:spTree>
+      <p:nvGrpSpPr>
+        <p:cNvPr id="1" name=""/>
+        <p:cNvGrpSpPr/>
+        <p:nvPr/>
+      </p:nvGrpSpPr>
+      <p:grpSpPr>
+        <a:xfrm>
+          <a:off x="0" y="0"/>
+          <a:ext cx="0" cy="0"/>
+          <a:chOff x="0" y="0"/>
+          <a:chExt cx="0" cy="0"/>
+        </a:xfrm>
+      </p:grpSpPr>
+      <p:sp>
+        <p:nvSpPr>
+          <p:cNvPr id="2" name="Title 1"/>
+          <p:cNvSpPr>
+            <a:spLocks noGrp="1"/>
+          </p:cNvSpPr>
+          <p:nvPr>
+            <p:ph type="ctrTitle"/>
+          </p:nvPr>
+        </p:nvSpPr>
+        <p:spPr/>
+        <p:txBody>
+          <a:bodyPr/>
+          <a:lstStyle/>
+          <a:p>
+            <a:r>
+              <a:rPr lang="en-GB" dirty="0" smtClean="0"/>
+              <a:t>How exploratory data is different from statistical data</a:t>
+            </a:r>
+            <a:endParaRPr lang="en-GB" dirty="0"/>
+          </a:p>
+        </p:txBody>
+      </p:sp>
+      <p:sp>
+        <p:nvSpPr>
+          <p:cNvPr id="3" name="Subtitle 2"/>
+          <p:cNvSpPr>
+            <a:spLocks noGrp="1"/>
+          </p:cNvSpPr>
+          <p:nvPr>
+            <p:ph type="subTitle" idx="1"/>
+          </p:nvPr>
+        </p:nvSpPr>
+        <p:spPr/>
+        <p:txBody>
+          <a:bodyPr>
+            <a:normAutofit fontScale="85000" lnSpcReduction="20000"/>
+          </a:bodyPr>
+          <a:lstStyle/>
+          <a:p>
+            <a:r>
+              <a:rPr lang="en-GB" dirty="0" smtClean="0"/>
+              <a:t>Still exploring, not modelling</a:t>
+            </a:r>
+          </a:p>
+          <a:p>
+            <a:r>
+              <a:rPr lang="en-GB" dirty="0" smtClean="0"/>
+              <a:t>Empirical estimates, not theoretical</a:t>
+            </a:r>
+          </a:p>
+          <a:p>
+            <a:r>
+              <a:rPr lang="en-GB" dirty="0" smtClean="0"/>
+              <a:t>Check effects of manipulating data</a:t>
+            </a:r>
+          </a:p>
+          <a:p>
+            <a:r>
+              <a:rPr lang="en-GB" dirty="0" smtClean="0"/>
+              <a:t>See how data react to variation</a:t>
+            </a:r>
+          </a:p>
+          <a:p>
+            <a:endParaRPr lang="en-GB" dirty="0"/>
+          </a:p>
+        </p:txBody>
+      </p:sp>
+    </p:spTree>
+  </p:cSld>
+  <p:clrMapOvr>
+    <a:masterClrMapping/>
+  </p:clrMapOvr>
+</p:sld>
+</file>
+
+<file path=ppt/slides/slide66.xml><?xml version="1.0" encoding="utf-8"?>
+<p:sld xmlns:a="http://schemas.openxmlformats.org/drawingml/2006/main" xmlns:r="http://schemas.openxmlformats.org/officeDocument/2006/relationships" xmlns:p="http://schemas.openxmlformats.org/presentationml/2006/main">
+  <p:cSld>
+    <p:spTree>
+      <p:nvGrpSpPr>
+        <p:cNvPr id="1" name=""/>
+        <p:cNvGrpSpPr/>
+        <p:nvPr/>
+      </p:nvGrpSpPr>
+      <p:grpSpPr>
+        <a:xfrm>
+          <a:off x="0" y="0"/>
+          <a:ext cx="0" cy="0"/>
+          <a:chOff x="0" y="0"/>
+          <a:chExt cx="0" cy="0"/>
+        </a:xfrm>
+      </p:grpSpPr>
+      <p:sp>
+        <p:nvSpPr>
+          <p:cNvPr id="2" name="Title 1"/>
+          <p:cNvSpPr>
+            <a:spLocks noGrp="1"/>
+          </p:cNvSpPr>
+          <p:nvPr>
+            <p:ph type="ctrTitle"/>
+          </p:nvPr>
+        </p:nvSpPr>
+        <p:spPr/>
+        <p:txBody>
+          <a:bodyPr>
+            <a:normAutofit fontScale="90000"/>
+          </a:bodyPr>
+          <a:lstStyle/>
+          <a:p>
+            <a:r>
+              <a:rPr lang="en-GB" dirty="0" smtClean="0"/>
+              <a:t>Three general categories of methods using exploratory statistics?</a:t>
+            </a:r>
+            <a:endParaRPr lang="en-GB" dirty="0"/>
+          </a:p>
+        </p:txBody>
+      </p:sp>
+      <p:sp>
+        <p:nvSpPr>
+          <p:cNvPr id="3" name="Subtitle 2"/>
+          <p:cNvSpPr>
+            <a:spLocks noGrp="1"/>
+          </p:cNvSpPr>
+          <p:nvPr>
+            <p:ph type="subTitle" idx="1"/>
+          </p:nvPr>
+        </p:nvSpPr>
+        <p:spPr/>
+        <p:txBody>
+          <a:bodyPr/>
+          <a:lstStyle/>
+          <a:p>
+            <a:r>
+              <a:rPr lang="en-GB" dirty="0" smtClean="0"/>
+              <a:t>Robust statistics</a:t>
+            </a:r>
+          </a:p>
+          <a:p>
+            <a:r>
+              <a:rPr lang="en-GB" dirty="0" err="1" smtClean="0"/>
+              <a:t>Resampling</a:t>
+            </a:r>
+            <a:r>
+              <a:rPr lang="en-GB" dirty="0" smtClean="0"/>
+              <a:t> Statistics</a:t>
+            </a:r>
+          </a:p>
+          <a:p>
+            <a:r>
+              <a:rPr lang="en-GB" dirty="0" smtClean="0"/>
+              <a:t>Transformational statistics</a:t>
+            </a:r>
+            <a:endParaRPr lang="en-GB" dirty="0"/>
+          </a:p>
+        </p:txBody>
+      </p:sp>
+    </p:spTree>
+  </p:cSld>
+  <p:clrMapOvr>
+    <a:masterClrMapping/>
+  </p:clrMapOvr>
+</p:sld>
+</file>
+
+<file path=ppt/slides/slide67.xml><?xml version="1.0" encoding="utf-8"?>
+<p:sld xmlns:a="http://schemas.openxmlformats.org/drawingml/2006/main" xmlns:r="http://schemas.openxmlformats.org/officeDocument/2006/relationships" xmlns:p="http://schemas.openxmlformats.org/presentationml/2006/main">
+  <p:cSld>
+    <p:spTree>
+      <p:nvGrpSpPr>
+        <p:cNvPr id="1" name=""/>
+        <p:cNvGrpSpPr/>
+        <p:nvPr/>
+      </p:nvGrpSpPr>
+      <p:grpSpPr>
+        <a:xfrm>
+          <a:off x="0" y="0"/>
+          <a:ext cx="0" cy="0"/>
+          <a:chOff x="0" y="0"/>
+          <a:chExt cx="0" cy="0"/>
+        </a:xfrm>
+      </p:grpSpPr>
+      <p:sp>
+        <p:nvSpPr>
+          <p:cNvPr id="2" name="Title 1"/>
+          <p:cNvSpPr>
+            <a:spLocks noGrp="1"/>
+          </p:cNvSpPr>
+          <p:nvPr>
+            <p:ph type="ctrTitle"/>
+          </p:nvPr>
+        </p:nvSpPr>
+        <p:spPr/>
+        <p:txBody>
+          <a:bodyPr/>
+          <a:lstStyle/>
+          <a:p>
+            <a:r>
+              <a:rPr lang="en-GB" dirty="0" smtClean="0"/>
+              <a:t>What is robust Statistics?</a:t>
+            </a:r>
+            <a:endParaRPr lang="en-GB" dirty="0"/>
+          </a:p>
+        </p:txBody>
+      </p:sp>
+      <p:sp>
+        <p:nvSpPr>
+          <p:cNvPr id="3" name="Subtitle 2"/>
+          <p:cNvSpPr>
+            <a:spLocks noGrp="1"/>
+          </p:cNvSpPr>
+          <p:nvPr>
+            <p:ph type="subTitle" idx="1"/>
+          </p:nvPr>
+        </p:nvSpPr>
+        <p:spPr/>
+        <p:txBody>
+          <a:bodyPr>
+            <a:normAutofit fontScale="85000" lnSpcReduction="20000"/>
+          </a:bodyPr>
+          <a:lstStyle/>
+          <a:p>
+            <a:r>
+              <a:rPr lang="en-GB" dirty="0" smtClean="0"/>
+              <a:t>They are stable statistics</a:t>
+            </a:r>
+          </a:p>
+          <a:p>
+            <a:r>
+              <a:rPr lang="en-GB" dirty="0" smtClean="0"/>
+              <a:t>They are less affected by </a:t>
+            </a:r>
+            <a:r>
+              <a:rPr lang="en-GB" dirty="0" err="1" smtClean="0"/>
+              <a:t>skewness</a:t>
+            </a:r>
+            <a:endParaRPr lang="en-GB" dirty="0" smtClean="0"/>
+          </a:p>
+          <a:p>
+            <a:r>
+              <a:rPr lang="en-GB" dirty="0" smtClean="0"/>
+              <a:t>Many choices</a:t>
+            </a:r>
+          </a:p>
+          <a:p>
+            <a:r>
+              <a:rPr lang="en-GB" dirty="0" smtClean="0"/>
+              <a:t>Not always easy to do</a:t>
+            </a:r>
+            <a:endParaRPr lang="en-GB" dirty="0"/>
+          </a:p>
+        </p:txBody>
+      </p:sp>
+    </p:spTree>
+  </p:cSld>
+  <p:clrMapOvr>
+    <a:masterClrMapping/>
+  </p:clrMapOvr>
+</p:sld>
+</file>
+
+<file path=ppt/slides/slide68.xml><?xml version="1.0" encoding="utf-8"?>
+<p:sld xmlns:a="http://schemas.openxmlformats.org/drawingml/2006/main" xmlns:r="http://schemas.openxmlformats.org/officeDocument/2006/relationships" xmlns:p="http://schemas.openxmlformats.org/presentationml/2006/main">
+  <p:cSld>
+    <p:spTree>
+      <p:nvGrpSpPr>
+        <p:cNvPr id="1" name=""/>
+        <p:cNvGrpSpPr/>
+        <p:nvPr/>
+      </p:nvGrpSpPr>
+      <p:grpSpPr>
+        <a:xfrm>
+          <a:off x="0" y="0"/>
+          <a:ext cx="0" cy="0"/>
+          <a:chOff x="0" y="0"/>
+          <a:chExt cx="0" cy="0"/>
+        </a:xfrm>
+      </p:grpSpPr>
+      <p:sp>
+        <p:nvSpPr>
+          <p:cNvPr id="2" name="Title 1"/>
+          <p:cNvSpPr>
+            <a:spLocks noGrp="1"/>
+          </p:cNvSpPr>
+          <p:nvPr>
+            <p:ph type="ctrTitle"/>
+          </p:nvPr>
+        </p:nvSpPr>
+        <p:spPr/>
+        <p:txBody>
+          <a:bodyPr/>
+          <a:lstStyle/>
+          <a:p>
+            <a:r>
+              <a:rPr lang="en-GB" dirty="0" smtClean="0"/>
+              <a:t>What is a trimmed mean?</a:t>
+            </a:r>
+            <a:endParaRPr lang="en-GB" dirty="0"/>
+          </a:p>
+        </p:txBody>
+      </p:sp>
+      <p:sp>
+        <p:nvSpPr>
+          <p:cNvPr id="3" name="Subtitle 2"/>
+          <p:cNvSpPr>
+            <a:spLocks noGrp="1"/>
+          </p:cNvSpPr>
+          <p:nvPr>
+            <p:ph type="subTitle" idx="1"/>
+          </p:nvPr>
+        </p:nvSpPr>
+        <p:spPr/>
+        <p:txBody>
+          <a:bodyPr/>
+          <a:lstStyle/>
+          <a:p>
+            <a:r>
+              <a:rPr lang="en-GB" dirty="0" smtClean="0"/>
+              <a:t>Take certain percentage of the  data on top and throw away</a:t>
+            </a:r>
+            <a:endParaRPr lang="en-GB" dirty="0"/>
+          </a:p>
+        </p:txBody>
+      </p:sp>
+    </p:spTree>
+  </p:cSld>
+  <p:clrMapOvr>
+    <a:masterClrMapping/>
+  </p:clrMapOvr>
+</p:sld>
+</file>
+
+<file path=ppt/slides/slide69.xml><?xml version="1.0" encoding="utf-8"?>
+<p:sld xmlns:a="http://schemas.openxmlformats.org/drawingml/2006/main" xmlns:r="http://schemas.openxmlformats.org/officeDocument/2006/relationships" xmlns:p="http://schemas.openxmlformats.org/presentationml/2006/main">
+  <p:cSld>
+    <p:spTree>
+      <p:nvGrpSpPr>
+        <p:cNvPr id="1" name=""/>
+        <p:cNvGrpSpPr/>
+        <p:nvPr/>
+      </p:nvGrpSpPr>
+      <p:grpSpPr>
+        <a:xfrm>
+          <a:off x="0" y="0"/>
+          <a:ext cx="0" cy="0"/>
+          <a:chOff x="0" y="0"/>
+          <a:chExt cx="0" cy="0"/>
+        </a:xfrm>
+      </p:grpSpPr>
+      <p:sp>
+        <p:nvSpPr>
+          <p:cNvPr id="2" name="Title 1"/>
+          <p:cNvSpPr>
+            <a:spLocks noGrp="1"/>
+          </p:cNvSpPr>
+          <p:nvPr>
+            <p:ph type="ctrTitle"/>
+          </p:nvPr>
+        </p:nvSpPr>
+        <p:spPr/>
+        <p:txBody>
+          <a:bodyPr/>
+          <a:lstStyle/>
+          <a:p>
+            <a:r>
+              <a:rPr lang="en-GB" dirty="0" smtClean="0"/>
+              <a:t>What is </a:t>
+            </a:r>
+            <a:r>
+              <a:rPr lang="en-GB" dirty="0" err="1" smtClean="0"/>
+              <a:t>winsorised</a:t>
+            </a:r>
+            <a:r>
+              <a:rPr lang="en-GB" dirty="0" smtClean="0"/>
+              <a:t> mean?</a:t>
+            </a:r>
+            <a:endParaRPr lang="en-GB" dirty="0"/>
+          </a:p>
+        </p:txBody>
+      </p:sp>
+      <p:sp>
+        <p:nvSpPr>
+          <p:cNvPr id="3" name="Subtitle 2"/>
+          <p:cNvSpPr>
+            <a:spLocks noGrp="1"/>
+          </p:cNvSpPr>
+          <p:nvPr>
+            <p:ph type="subTitle" idx="1"/>
+          </p:nvPr>
+        </p:nvSpPr>
+        <p:spPr/>
+        <p:txBody>
+          <a:bodyPr/>
+          <a:lstStyle/>
+          <a:p>
+            <a:r>
+              <a:rPr lang="en-GB" dirty="0" smtClean="0"/>
+              <a:t>Take the mean and replace it with closest non-outlaying value</a:t>
+            </a:r>
+            <a:endParaRPr lang="en-GB" dirty="0"/>
           </a:p>
         </p:txBody>
       </p:sp>
@@ -8109,6 +8748,852 @@
             <a:r>
               <a:rPr lang="en-GB" dirty="0" smtClean="0"/>
               <a:t>Follow up</a:t>
+            </a:r>
+            <a:endParaRPr lang="en-GB" dirty="0"/>
+          </a:p>
+        </p:txBody>
+      </p:sp>
+    </p:spTree>
+  </p:cSld>
+  <p:clrMapOvr>
+    <a:masterClrMapping/>
+  </p:clrMapOvr>
+</p:sld>
+</file>
+
+<file path=ppt/slides/slide70.xml><?xml version="1.0" encoding="utf-8"?>
+<p:sld xmlns:a="http://schemas.openxmlformats.org/drawingml/2006/main" xmlns:r="http://schemas.openxmlformats.org/officeDocument/2006/relationships" xmlns:p="http://schemas.openxmlformats.org/presentationml/2006/main">
+  <p:cSld>
+    <p:spTree>
+      <p:nvGrpSpPr>
+        <p:cNvPr id="1" name=""/>
+        <p:cNvGrpSpPr/>
+        <p:nvPr/>
+      </p:nvGrpSpPr>
+      <p:grpSpPr>
+        <a:xfrm>
+          <a:off x="0" y="0"/>
+          <a:ext cx="0" cy="0"/>
+          <a:chOff x="0" y="0"/>
+          <a:chExt cx="0" cy="0"/>
+        </a:xfrm>
+      </p:grpSpPr>
+      <p:sp>
+        <p:nvSpPr>
+          <p:cNvPr id="2" name="Title 1"/>
+          <p:cNvSpPr>
+            <a:spLocks noGrp="1"/>
+          </p:cNvSpPr>
+          <p:nvPr>
+            <p:ph type="ctrTitle"/>
+          </p:nvPr>
+        </p:nvSpPr>
+        <p:spPr/>
+        <p:txBody>
+          <a:bodyPr/>
+          <a:lstStyle/>
+          <a:p>
+            <a:r>
+              <a:rPr lang="en-GB" dirty="0" smtClean="0"/>
+              <a:t>What is </a:t>
+            </a:r>
+            <a:r>
+              <a:rPr lang="en-GB" dirty="0" err="1" smtClean="0"/>
+              <a:t>resampling</a:t>
+            </a:r>
+            <a:r>
+              <a:rPr lang="en-GB" dirty="0" smtClean="0"/>
+              <a:t>?</a:t>
+            </a:r>
+            <a:endParaRPr lang="en-GB" dirty="0"/>
+          </a:p>
+        </p:txBody>
+      </p:sp>
+      <p:sp>
+        <p:nvSpPr>
+          <p:cNvPr id="3" name="Subtitle 2"/>
+          <p:cNvSpPr>
+            <a:spLocks noGrp="1"/>
+          </p:cNvSpPr>
+          <p:nvPr>
+            <p:ph type="subTitle" idx="1"/>
+          </p:nvPr>
+        </p:nvSpPr>
+        <p:spPr/>
+        <p:txBody>
+          <a:bodyPr/>
+          <a:lstStyle/>
+          <a:p>
+            <a:r>
+              <a:rPr lang="en-GB" dirty="0" smtClean="0"/>
+              <a:t>These are empirical estimate of sampling variability such as permutation, </a:t>
+            </a:r>
+            <a:r>
+              <a:rPr lang="en-GB" dirty="0" err="1" smtClean="0"/>
+              <a:t>bootstarp</a:t>
+            </a:r>
+            <a:r>
+              <a:rPr lang="en-GB" dirty="0" smtClean="0"/>
+              <a:t>, </a:t>
+            </a:r>
+            <a:r>
+              <a:rPr lang="en-GB" dirty="0" err="1" smtClean="0"/>
+              <a:t>jackknife</a:t>
+            </a:r>
+            <a:endParaRPr lang="en-GB" dirty="0"/>
+          </a:p>
+        </p:txBody>
+      </p:sp>
+    </p:spTree>
+  </p:cSld>
+  <p:clrMapOvr>
+    <a:masterClrMapping/>
+  </p:clrMapOvr>
+</p:sld>
+</file>
+
+<file path=ppt/slides/slide71.xml><?xml version="1.0" encoding="utf-8"?>
+<p:sld xmlns:a="http://schemas.openxmlformats.org/drawingml/2006/main" xmlns:r="http://schemas.openxmlformats.org/officeDocument/2006/relationships" xmlns:p="http://schemas.openxmlformats.org/presentationml/2006/main">
+  <p:cSld>
+    <p:spTree>
+      <p:nvGrpSpPr>
+        <p:cNvPr id="1" name=""/>
+        <p:cNvGrpSpPr/>
+        <p:nvPr/>
+      </p:nvGrpSpPr>
+      <p:grpSpPr>
+        <a:xfrm>
+          <a:off x="0" y="0"/>
+          <a:ext cx="0" cy="0"/>
+          <a:chOff x="0" y="0"/>
+          <a:chExt cx="0" cy="0"/>
+        </a:xfrm>
+      </p:grpSpPr>
+      <p:sp>
+        <p:nvSpPr>
+          <p:cNvPr id="2" name="Title 1"/>
+          <p:cNvSpPr>
+            <a:spLocks noGrp="1"/>
+          </p:cNvSpPr>
+          <p:nvPr>
+            <p:ph type="ctrTitle"/>
+          </p:nvPr>
+        </p:nvSpPr>
+        <p:spPr/>
+        <p:txBody>
+          <a:bodyPr/>
+          <a:lstStyle/>
+          <a:p>
+            <a:r>
+              <a:rPr lang="en-GB" dirty="0" smtClean="0"/>
+              <a:t>What is transforming of data</a:t>
+            </a:r>
+            <a:endParaRPr lang="en-GB" dirty="0"/>
+          </a:p>
+        </p:txBody>
+      </p:sp>
+      <p:sp>
+        <p:nvSpPr>
+          <p:cNvPr id="3" name="Subtitle 2"/>
+          <p:cNvSpPr>
+            <a:spLocks noGrp="1"/>
+          </p:cNvSpPr>
+          <p:nvPr>
+            <p:ph type="subTitle" idx="1"/>
+          </p:nvPr>
+        </p:nvSpPr>
+        <p:spPr/>
+        <p:txBody>
+          <a:bodyPr>
+            <a:normAutofit fontScale="92500" lnSpcReduction="10000"/>
+          </a:bodyPr>
+          <a:lstStyle/>
+          <a:p>
+            <a:r>
+              <a:rPr lang="en-GB" dirty="0" smtClean="0"/>
+              <a:t>It is the use of smooth functions that preserve the order of data and allow you to use full data set. A </a:t>
+            </a:r>
+            <a:r>
+              <a:rPr lang="en-GB" dirty="0" smtClean="0"/>
+              <a:t>lot of time it is used to fix skewed data</a:t>
+            </a:r>
+            <a:endParaRPr lang="en-GB" dirty="0"/>
+          </a:p>
+        </p:txBody>
+      </p:sp>
+    </p:spTree>
+  </p:cSld>
+  <p:clrMapOvr>
+    <a:masterClrMapping/>
+  </p:clrMapOvr>
+</p:sld>
+</file>
+
+<file path=ppt/slides/slide72.xml><?xml version="1.0" encoding="utf-8"?>
+<p:sld xmlns:a="http://schemas.openxmlformats.org/drawingml/2006/main" xmlns:r="http://schemas.openxmlformats.org/officeDocument/2006/relationships" xmlns:p="http://schemas.openxmlformats.org/presentationml/2006/main">
+  <p:cSld>
+    <p:spTree>
+      <p:nvGrpSpPr>
+        <p:cNvPr id="1" name=""/>
+        <p:cNvGrpSpPr/>
+        <p:nvPr/>
+      </p:nvGrpSpPr>
+      <p:grpSpPr>
+        <a:xfrm>
+          <a:off x="0" y="0"/>
+          <a:ext cx="0" cy="0"/>
+          <a:chOff x="0" y="0"/>
+          <a:chExt cx="0" cy="0"/>
+        </a:xfrm>
+      </p:grpSpPr>
+      <p:sp>
+        <p:nvSpPr>
+          <p:cNvPr id="2" name="Title 1"/>
+          <p:cNvSpPr>
+            <a:spLocks noGrp="1"/>
+          </p:cNvSpPr>
+          <p:nvPr>
+            <p:ph type="ctrTitle"/>
+          </p:nvPr>
+        </p:nvSpPr>
+        <p:spPr/>
+        <p:txBody>
+          <a:bodyPr/>
+          <a:lstStyle/>
+          <a:p>
+            <a:r>
+              <a:rPr lang="en-GB" dirty="0" smtClean="0"/>
+              <a:t>What are the outcomes of exploratory statistics</a:t>
+            </a:r>
+            <a:endParaRPr lang="en-GB" dirty="0"/>
+          </a:p>
+        </p:txBody>
+      </p:sp>
+      <p:sp>
+        <p:nvSpPr>
+          <p:cNvPr id="3" name="Subtitle 2"/>
+          <p:cNvSpPr>
+            <a:spLocks noGrp="1"/>
+          </p:cNvSpPr>
+          <p:nvPr>
+            <p:ph type="subTitle" idx="1"/>
+          </p:nvPr>
+        </p:nvSpPr>
+        <p:spPr/>
+        <p:txBody>
+          <a:bodyPr>
+            <a:normAutofit fontScale="70000" lnSpcReduction="20000"/>
+          </a:bodyPr>
+          <a:lstStyle/>
+          <a:p>
+            <a:r>
+              <a:rPr lang="en-GB" dirty="0" smtClean="0"/>
+              <a:t>It is good to get multiple perspectives on the data</a:t>
+            </a:r>
+          </a:p>
+          <a:p>
+            <a:r>
+              <a:rPr lang="en-GB" dirty="0" smtClean="0"/>
+              <a:t>Good to check stability under different circumstances</a:t>
+            </a:r>
+          </a:p>
+          <a:p>
+            <a:r>
+              <a:rPr lang="en-GB" dirty="0" smtClean="0"/>
+              <a:t>And set the stage for modelling</a:t>
+            </a:r>
+          </a:p>
+          <a:p>
+            <a:endParaRPr lang="en-GB" dirty="0"/>
+          </a:p>
+        </p:txBody>
+      </p:sp>
+    </p:spTree>
+  </p:cSld>
+  <p:clrMapOvr>
+    <a:masterClrMapping/>
+  </p:clrMapOvr>
+</p:sld>
+</file>
+
+<file path=ppt/slides/slide73.xml><?xml version="1.0" encoding="utf-8"?>
+<p:sld xmlns:a="http://schemas.openxmlformats.org/drawingml/2006/main" xmlns:r="http://schemas.openxmlformats.org/officeDocument/2006/relationships" xmlns:p="http://schemas.openxmlformats.org/presentationml/2006/main">
+  <p:cSld>
+    <p:spTree>
+      <p:nvGrpSpPr>
+        <p:cNvPr id="1" name=""/>
+        <p:cNvGrpSpPr/>
+        <p:nvPr/>
+      </p:nvGrpSpPr>
+      <p:grpSpPr>
+        <a:xfrm>
+          <a:off x="0" y="0"/>
+          <a:ext cx="0" cy="0"/>
+          <a:chOff x="0" y="0"/>
+          <a:chExt cx="0" cy="0"/>
+        </a:xfrm>
+      </p:grpSpPr>
+      <p:sp>
+        <p:nvSpPr>
+          <p:cNvPr id="2" name="Title 1"/>
+          <p:cNvSpPr>
+            <a:spLocks noGrp="1"/>
+          </p:cNvSpPr>
+          <p:nvPr>
+            <p:ph type="ctrTitle"/>
+          </p:nvPr>
+        </p:nvSpPr>
+        <p:spPr/>
+        <p:txBody>
+          <a:bodyPr/>
+          <a:lstStyle/>
+          <a:p>
+            <a:r>
+              <a:rPr lang="en-GB" dirty="0" smtClean="0"/>
+              <a:t>What are the tools of programming in Data Science</a:t>
+            </a:r>
+            <a:endParaRPr lang="en-GB" dirty="0"/>
+          </a:p>
+        </p:txBody>
+      </p:sp>
+      <p:sp>
+        <p:nvSpPr>
+          <p:cNvPr id="3" name="Subtitle 2"/>
+          <p:cNvSpPr>
+            <a:spLocks noGrp="1"/>
+          </p:cNvSpPr>
+          <p:nvPr>
+            <p:ph type="subTitle" idx="1"/>
+          </p:nvPr>
+        </p:nvSpPr>
+        <p:spPr/>
+        <p:txBody>
+          <a:bodyPr>
+            <a:normAutofit fontScale="70000" lnSpcReduction="20000"/>
+          </a:bodyPr>
+          <a:lstStyle/>
+          <a:p>
+            <a:r>
+              <a:rPr lang="en-GB" dirty="0" smtClean="0"/>
+              <a:t>Spread Sheets</a:t>
+            </a:r>
+          </a:p>
+          <a:p>
+            <a:r>
+              <a:rPr lang="en-GB" dirty="0" smtClean="0"/>
+              <a:t>R</a:t>
+            </a:r>
+          </a:p>
+          <a:p>
+            <a:r>
+              <a:rPr lang="en-GB" dirty="0" smtClean="0"/>
+              <a:t>Rapid minder</a:t>
+            </a:r>
+          </a:p>
+          <a:p>
+            <a:r>
+              <a:rPr lang="en-GB" dirty="0" smtClean="0"/>
+              <a:t>SQL</a:t>
+            </a:r>
+          </a:p>
+          <a:p>
+            <a:r>
+              <a:rPr lang="en-GB" dirty="0" err="1" smtClean="0"/>
+              <a:t>Hadoop</a:t>
+            </a:r>
+            <a:endParaRPr lang="en-GB" dirty="0"/>
+          </a:p>
+        </p:txBody>
+      </p:sp>
+    </p:spTree>
+  </p:cSld>
+  <p:clrMapOvr>
+    <a:masterClrMapping/>
+  </p:clrMapOvr>
+</p:sld>
+</file>
+
+<file path=ppt/slides/slide74.xml><?xml version="1.0" encoding="utf-8"?>
+<p:sld xmlns:a="http://schemas.openxmlformats.org/drawingml/2006/main" xmlns:r="http://schemas.openxmlformats.org/officeDocument/2006/relationships" xmlns:p="http://schemas.openxmlformats.org/presentationml/2006/main">
+  <p:cSld>
+    <p:spTree>
+      <p:nvGrpSpPr>
+        <p:cNvPr id="1" name=""/>
+        <p:cNvGrpSpPr/>
+        <p:nvPr/>
+      </p:nvGrpSpPr>
+      <p:grpSpPr>
+        <a:xfrm>
+          <a:off x="0" y="0"/>
+          <a:ext cx="0" cy="0"/>
+          <a:chOff x="0" y="0"/>
+          <a:chExt cx="0" cy="0"/>
+        </a:xfrm>
+      </p:grpSpPr>
+      <p:sp>
+        <p:nvSpPr>
+          <p:cNvPr id="2" name="Title 1"/>
+          <p:cNvSpPr>
+            <a:spLocks noGrp="1"/>
+          </p:cNvSpPr>
+          <p:nvPr>
+            <p:ph type="ctrTitle"/>
+          </p:nvPr>
+        </p:nvSpPr>
+        <p:spPr/>
+        <p:txBody>
+          <a:bodyPr/>
+          <a:lstStyle/>
+          <a:p>
+            <a:r>
+              <a:rPr lang="en-GB" dirty="0" smtClean="0"/>
+              <a:t>Uses of Spreadsheet?</a:t>
+            </a:r>
+            <a:endParaRPr lang="en-GB" dirty="0"/>
+          </a:p>
+        </p:txBody>
+      </p:sp>
+      <p:sp>
+        <p:nvSpPr>
+          <p:cNvPr id="3" name="Subtitle 2"/>
+          <p:cNvSpPr>
+            <a:spLocks noGrp="1"/>
+          </p:cNvSpPr>
+          <p:nvPr>
+            <p:ph type="subTitle" idx="1"/>
+          </p:nvPr>
+        </p:nvSpPr>
+        <p:spPr/>
+        <p:txBody>
+          <a:bodyPr>
+            <a:normAutofit fontScale="40000" lnSpcReduction="20000"/>
+          </a:bodyPr>
+          <a:lstStyle/>
+          <a:p>
+            <a:r>
+              <a:rPr lang="en-GB" dirty="0" smtClean="0"/>
+              <a:t>Data browsing</a:t>
+            </a:r>
+          </a:p>
+          <a:p>
+            <a:r>
+              <a:rPr lang="en-GB" dirty="0" smtClean="0"/>
+              <a:t>Sorting</a:t>
+            </a:r>
+          </a:p>
+          <a:p>
+            <a:r>
+              <a:rPr lang="en-GB" dirty="0" smtClean="0"/>
+              <a:t>Rearranging</a:t>
+            </a:r>
+          </a:p>
+          <a:p>
+            <a:r>
+              <a:rPr lang="en-GB" dirty="0" smtClean="0"/>
+              <a:t>Finding &amp; replace</a:t>
+            </a:r>
+          </a:p>
+          <a:p>
+            <a:r>
+              <a:rPr lang="en-GB" dirty="0" smtClean="0"/>
+              <a:t>Formatting data</a:t>
+            </a:r>
+          </a:p>
+          <a:p>
+            <a:r>
+              <a:rPr lang="en-GB" dirty="0" smtClean="0"/>
+              <a:t>Transporting data</a:t>
+            </a:r>
+          </a:p>
+          <a:p>
+            <a:r>
+              <a:rPr lang="en-GB" dirty="0" smtClean="0"/>
+              <a:t>Pivot tables</a:t>
+            </a:r>
+          </a:p>
+          <a:p>
+            <a:r>
+              <a:rPr lang="en-GB" dirty="0" smtClean="0"/>
+              <a:t>Tracking changes</a:t>
+            </a:r>
+            <a:endParaRPr lang="en-GB" dirty="0"/>
+          </a:p>
+        </p:txBody>
+      </p:sp>
+    </p:spTree>
+  </p:cSld>
+  <p:clrMapOvr>
+    <a:masterClrMapping/>
+  </p:clrMapOvr>
+</p:sld>
+</file>
+
+<file path=ppt/slides/slide75.xml><?xml version="1.0" encoding="utf-8"?>
+<p:sld xmlns:a="http://schemas.openxmlformats.org/drawingml/2006/main" xmlns:r="http://schemas.openxmlformats.org/officeDocument/2006/relationships" xmlns:p="http://schemas.openxmlformats.org/presentationml/2006/main">
+  <p:cSld>
+    <p:spTree>
+      <p:nvGrpSpPr>
+        <p:cNvPr id="1" name=""/>
+        <p:cNvGrpSpPr/>
+        <p:nvPr/>
+      </p:nvGrpSpPr>
+      <p:grpSpPr>
+        <a:xfrm>
+          <a:off x="0" y="0"/>
+          <a:ext cx="0" cy="0"/>
+          <a:chOff x="0" y="0"/>
+          <a:chExt cx="0" cy="0"/>
+        </a:xfrm>
+      </p:grpSpPr>
+      <p:sp>
+        <p:nvSpPr>
+          <p:cNvPr id="2" name="Title 1"/>
+          <p:cNvSpPr>
+            <a:spLocks noGrp="1"/>
+          </p:cNvSpPr>
+          <p:nvPr>
+            <p:ph type="ctrTitle"/>
+          </p:nvPr>
+        </p:nvSpPr>
+        <p:spPr/>
+        <p:txBody>
+          <a:bodyPr/>
+          <a:lstStyle/>
+          <a:p>
+            <a:r>
+              <a:rPr lang="en-GB" dirty="0" smtClean="0"/>
+              <a:t>What is a tidy data?</a:t>
+            </a:r>
+            <a:endParaRPr lang="en-GB" dirty="0"/>
+          </a:p>
+        </p:txBody>
+      </p:sp>
+      <p:sp>
+        <p:nvSpPr>
+          <p:cNvPr id="3" name="Subtitle 2"/>
+          <p:cNvSpPr>
+            <a:spLocks noGrp="1"/>
+          </p:cNvSpPr>
+          <p:nvPr>
+            <p:ph type="subTitle" idx="1"/>
+          </p:nvPr>
+        </p:nvSpPr>
+        <p:spPr/>
+        <p:txBody>
+          <a:bodyPr>
+            <a:normAutofit fontScale="92500" lnSpcReduction="10000"/>
+          </a:bodyPr>
+          <a:lstStyle/>
+          <a:p>
+            <a:r>
+              <a:rPr lang="en-GB" dirty="0" smtClean="0"/>
+              <a:t>Tidy data is for transferring data between programs where column==</a:t>
+            </a:r>
+            <a:r>
+              <a:rPr lang="en-GB" dirty="0" err="1" smtClean="0"/>
+              <a:t>vaiable</a:t>
+            </a:r>
+            <a:r>
+              <a:rPr lang="en-GB" dirty="0" smtClean="0"/>
+              <a:t>, row=case, one sheet per file, one level of analysis per file</a:t>
+            </a:r>
+            <a:endParaRPr lang="en-GB" dirty="0"/>
+          </a:p>
+        </p:txBody>
+      </p:sp>
+    </p:spTree>
+  </p:cSld>
+  <p:clrMapOvr>
+    <a:masterClrMapping/>
+  </p:clrMapOvr>
+</p:sld>
+</file>
+
+<file path=ppt/slides/slide76.xml><?xml version="1.0" encoding="utf-8"?>
+<p:sld xmlns:a="http://schemas.openxmlformats.org/drawingml/2006/main" xmlns:r="http://schemas.openxmlformats.org/officeDocument/2006/relationships" xmlns:p="http://schemas.openxmlformats.org/presentationml/2006/main">
+  <p:cSld>
+    <p:spTree>
+      <p:nvGrpSpPr>
+        <p:cNvPr id="1" name=""/>
+        <p:cNvGrpSpPr/>
+        <p:nvPr/>
+      </p:nvGrpSpPr>
+      <p:grpSpPr>
+        <a:xfrm>
+          <a:off x="0" y="0"/>
+          <a:ext cx="0" cy="0"/>
+          <a:chOff x="0" y="0"/>
+          <a:chExt cx="0" cy="0"/>
+        </a:xfrm>
+      </p:grpSpPr>
+      <p:sp>
+        <p:nvSpPr>
+          <p:cNvPr id="2" name="Title 1"/>
+          <p:cNvSpPr>
+            <a:spLocks noGrp="1"/>
+          </p:cNvSpPr>
+          <p:nvPr>
+            <p:ph type="ctrTitle"/>
+          </p:nvPr>
+        </p:nvSpPr>
+        <p:spPr/>
+        <p:txBody>
+          <a:bodyPr/>
+          <a:lstStyle/>
+          <a:p>
+            <a:r>
+              <a:rPr lang="en-GB" dirty="0" smtClean="0"/>
+              <a:t>What is R?</a:t>
+            </a:r>
+            <a:endParaRPr lang="en-GB" dirty="0"/>
+          </a:p>
+        </p:txBody>
+      </p:sp>
+      <p:sp>
+        <p:nvSpPr>
+          <p:cNvPr id="3" name="Subtitle 2"/>
+          <p:cNvSpPr>
+            <a:spLocks noGrp="1"/>
+          </p:cNvSpPr>
+          <p:nvPr>
+            <p:ph type="subTitle" idx="1"/>
+          </p:nvPr>
+        </p:nvSpPr>
+        <p:spPr/>
+        <p:txBody>
+          <a:bodyPr>
+            <a:normAutofit fontScale="92500"/>
+          </a:bodyPr>
+          <a:lstStyle/>
+          <a:p>
+            <a:r>
+              <a:rPr lang="en-GB" dirty="0" smtClean="0"/>
+              <a:t>R is a statistical programming language. It is the language of data science and R is the single most commonly used tool</a:t>
+            </a:r>
+            <a:endParaRPr lang="en-GB" dirty="0"/>
+          </a:p>
+        </p:txBody>
+      </p:sp>
+    </p:spTree>
+  </p:cSld>
+  <p:clrMapOvr>
+    <a:masterClrMapping/>
+  </p:clrMapOvr>
+</p:sld>
+</file>
+
+<file path=ppt/slides/slide77.xml><?xml version="1.0" encoding="utf-8"?>
+<p:sld xmlns:a="http://schemas.openxmlformats.org/drawingml/2006/main" xmlns:r="http://schemas.openxmlformats.org/officeDocument/2006/relationships" xmlns:p="http://schemas.openxmlformats.org/presentationml/2006/main">
+  <p:cSld>
+    <p:spTree>
+      <p:nvGrpSpPr>
+        <p:cNvPr id="1" name=""/>
+        <p:cNvGrpSpPr/>
+        <p:nvPr/>
+      </p:nvGrpSpPr>
+      <p:grpSpPr>
+        <a:xfrm>
+          <a:off x="0" y="0"/>
+          <a:ext cx="0" cy="0"/>
+          <a:chOff x="0" y="0"/>
+          <a:chExt cx="0" cy="0"/>
+        </a:xfrm>
+      </p:grpSpPr>
+      <p:sp>
+        <p:nvSpPr>
+          <p:cNvPr id="2" name="Title 1"/>
+          <p:cNvSpPr>
+            <a:spLocks noGrp="1"/>
+          </p:cNvSpPr>
+          <p:nvPr>
+            <p:ph type="ctrTitle"/>
+          </p:nvPr>
+        </p:nvSpPr>
+        <p:spPr/>
+        <p:txBody>
+          <a:bodyPr/>
+          <a:lstStyle/>
+          <a:p>
+            <a:r>
+              <a:rPr lang="en-GB" dirty="0" smtClean="0"/>
+              <a:t>Why R?</a:t>
+            </a:r>
+            <a:endParaRPr lang="en-GB" dirty="0"/>
+          </a:p>
+        </p:txBody>
+      </p:sp>
+      <p:sp>
+        <p:nvSpPr>
+          <p:cNvPr id="3" name="Subtitle 2"/>
+          <p:cNvSpPr>
+            <a:spLocks noGrp="1"/>
+          </p:cNvSpPr>
+          <p:nvPr>
+            <p:ph type="subTitle" idx="1"/>
+          </p:nvPr>
+        </p:nvSpPr>
+        <p:spPr/>
+        <p:txBody>
+          <a:bodyPr/>
+          <a:lstStyle/>
+          <a:p>
+            <a:r>
+              <a:rPr lang="en-GB" dirty="0" smtClean="0"/>
+              <a:t>Free and open source.  Good for vector operations</a:t>
+            </a:r>
+            <a:endParaRPr lang="en-GB" dirty="0"/>
+          </a:p>
+        </p:txBody>
+      </p:sp>
+    </p:spTree>
+  </p:cSld>
+  <p:clrMapOvr>
+    <a:masterClrMapping/>
+  </p:clrMapOvr>
+</p:sld>
+</file>
+
+<file path=ppt/slides/slide78.xml><?xml version="1.0" encoding="utf-8"?>
+<p:sld xmlns:a="http://schemas.openxmlformats.org/drawingml/2006/main" xmlns:r="http://schemas.openxmlformats.org/officeDocument/2006/relationships" xmlns:p="http://schemas.openxmlformats.org/presentationml/2006/main">
+  <p:cSld>
+    <p:spTree>
+      <p:nvGrpSpPr>
+        <p:cNvPr id="1" name=""/>
+        <p:cNvGrpSpPr/>
+        <p:nvPr/>
+      </p:nvGrpSpPr>
+      <p:grpSpPr>
+        <a:xfrm>
+          <a:off x="0" y="0"/>
+          <a:ext cx="0" cy="0"/>
+          <a:chOff x="0" y="0"/>
+          <a:chExt cx="0" cy="0"/>
+        </a:xfrm>
+      </p:grpSpPr>
+      <p:sp>
+        <p:nvSpPr>
+          <p:cNvPr id="2" name="Title 1"/>
+          <p:cNvSpPr>
+            <a:spLocks noGrp="1"/>
+          </p:cNvSpPr>
+          <p:nvPr>
+            <p:ph type="ctrTitle"/>
+          </p:nvPr>
+        </p:nvSpPr>
+        <p:spPr/>
+        <p:txBody>
+          <a:bodyPr/>
+          <a:lstStyle/>
+          <a:p>
+            <a:endParaRPr lang="en-GB"/>
+          </a:p>
+        </p:txBody>
+      </p:sp>
+      <p:sp>
+        <p:nvSpPr>
+          <p:cNvPr id="3" name="Subtitle 2"/>
+          <p:cNvSpPr>
+            <a:spLocks noGrp="1"/>
+          </p:cNvSpPr>
+          <p:nvPr>
+            <p:ph type="subTitle" idx="1"/>
+          </p:nvPr>
+        </p:nvSpPr>
+        <p:spPr/>
+        <p:txBody>
+          <a:bodyPr/>
+          <a:lstStyle/>
+          <a:p>
+            <a:endParaRPr lang="en-GB"/>
+          </a:p>
+        </p:txBody>
+      </p:sp>
+    </p:spTree>
+  </p:cSld>
+  <p:clrMapOvr>
+    <a:masterClrMapping/>
+  </p:clrMapOvr>
+</p:sld>
+</file>
+
+<file path=ppt/slides/slide79.xml><?xml version="1.0" encoding="utf-8"?>
+<p:sld xmlns:a="http://schemas.openxmlformats.org/drawingml/2006/main" xmlns:r="http://schemas.openxmlformats.org/officeDocument/2006/relationships" xmlns:p="http://schemas.openxmlformats.org/presentationml/2006/main">
+  <p:cSld>
+    <p:spTree>
+      <p:nvGrpSpPr>
+        <p:cNvPr id="1" name=""/>
+        <p:cNvGrpSpPr/>
+        <p:nvPr/>
+      </p:nvGrpSpPr>
+      <p:grpSpPr>
+        <a:xfrm>
+          <a:off x="0" y="0"/>
+          <a:ext cx="0" cy="0"/>
+          <a:chOff x="0" y="0"/>
+          <a:chExt cx="0" cy="0"/>
+        </a:xfrm>
+      </p:grpSpPr>
+      <p:sp>
+        <p:nvSpPr>
+          <p:cNvPr id="2" name="Title 1"/>
+          <p:cNvSpPr>
+            <a:spLocks noGrp="1"/>
+          </p:cNvSpPr>
+          <p:nvPr>
+            <p:ph type="ctrTitle"/>
+          </p:nvPr>
+        </p:nvSpPr>
+        <p:spPr/>
+        <p:txBody>
+          <a:bodyPr/>
+          <a:lstStyle/>
+          <a:p>
+            <a:r>
+              <a:rPr lang="en-GB" dirty="0" smtClean="0"/>
+              <a:t>Why spreadsheets still very popular?</a:t>
+            </a:r>
+            <a:endParaRPr lang="en-GB" dirty="0"/>
+          </a:p>
+        </p:txBody>
+      </p:sp>
+      <p:sp>
+        <p:nvSpPr>
+          <p:cNvPr id="3" name="Subtitle 2"/>
+          <p:cNvSpPr>
+            <a:spLocks noGrp="1"/>
+          </p:cNvSpPr>
+          <p:nvPr>
+            <p:ph type="subTitle" idx="1"/>
+          </p:nvPr>
+        </p:nvSpPr>
+        <p:spPr/>
+        <p:txBody>
+          <a:bodyPr>
+            <a:normAutofit fontScale="85000" lnSpcReduction="20000"/>
+          </a:bodyPr>
+          <a:lstStyle/>
+          <a:p>
+            <a:r>
+              <a:rPr lang="en-GB" dirty="0" smtClean="0"/>
+              <a:t>They are everywhere</a:t>
+            </a:r>
+          </a:p>
+          <a:p>
+            <a:r>
+              <a:rPr lang="en-GB" dirty="0" smtClean="0"/>
+              <a:t>Client format</a:t>
+            </a:r>
+          </a:p>
+          <a:p>
+            <a:r>
+              <a:rPr lang="en-GB" dirty="0" smtClean="0"/>
+              <a:t>Data transfer</a:t>
+            </a:r>
+          </a:p>
+          <a:p>
+            <a:r>
+              <a:rPr lang="en-GB" dirty="0" smtClean="0"/>
+              <a:t>Easy to use</a:t>
             </a:r>
             <a:endParaRPr lang="en-GB" dirty="0"/>
           </a:p>
